--- a/PPT/Go 18.pptx
+++ b/PPT/Go 18.pptx
@@ -9380,7 +9380,7 @@
           <a:p>
             <a:fld id="{397E0307-B85C-446A-8EF0-0407D435D787}" type="datetimeFigureOut">
               <a:rPr lang="en-US" smtClean="0"/>
-              <a:t>8/15/2020</a:t>
+              <a:t>10/3/2021</a:t>
             </a:fld>
             <a:endParaRPr lang="en-US" dirty="0"/>
           </a:p>
@@ -9794,7 +9794,7 @@
           <a:p>
             <a:fld id="{8BD862E7-95FA-4FC4-9EC5-DDBFA8DC7417}" type="datetimeFigureOut">
               <a:rPr lang="en-US" smtClean="0"/>
-              <a:t>8/15/2020</a:t>
+              <a:t>10/3/2021</a:t>
             </a:fld>
             <a:endParaRPr lang="en-US" dirty="0"/>
           </a:p>
@@ -10130,7 +10130,7 @@
           <a:p>
             <a:fld id="{8DB987F2-A784-4F72-BB57-0E9EACDE722E}" type="datetimeFigureOut">
               <a:rPr lang="en-US" smtClean="0"/>
-              <a:t>8/15/2020</a:t>
+              <a:t>10/3/2021</a:t>
             </a:fld>
             <a:endParaRPr lang="en-US" dirty="0"/>
           </a:p>
@@ -10535,7 +10535,7 @@
           <a:p>
             <a:fld id="{40BBD51E-4B19-444E-85C0-DBD7EB6263F4}" type="datetimeFigureOut">
               <a:rPr lang="en-US" smtClean="0"/>
-              <a:t>8/15/2020</a:t>
+              <a:t>10/3/2021</a:t>
             </a:fld>
             <a:endParaRPr lang="en-US" dirty="0"/>
           </a:p>
@@ -11103,7 +11103,7 @@
           <a:p>
             <a:fld id="{F0D7255A-4AD5-4D3E-9A0A-689DA3BA976C}" type="datetimeFigureOut">
               <a:rPr lang="en-US" smtClean="0"/>
-              <a:t>8/15/2020</a:t>
+              <a:t>10/3/2021</a:t>
             </a:fld>
             <a:endParaRPr lang="en-US" dirty="0"/>
           </a:p>
@@ -11784,7 +11784,7 @@
           <a:p>
             <a:fld id="{3EE0AD15-87AC-45B2-9EE5-8D165AF83CD7}" type="datetimeFigureOut">
               <a:rPr lang="en-US" smtClean="0"/>
-              <a:t>8/15/2020</a:t>
+              <a:t>10/3/2021</a:t>
             </a:fld>
             <a:endParaRPr lang="en-US" dirty="0"/>
           </a:p>
@@ -12697,7 +12697,7 @@
           <a:p>
             <a:fld id="{FCC40CCD-F0D6-4CC2-A4C8-2D7D0D875F02}" type="datetimeFigureOut">
               <a:rPr lang="en-US" smtClean="0"/>
-              <a:t>8/15/2020</a:t>
+              <a:t>10/3/2021</a:t>
             </a:fld>
             <a:endParaRPr lang="en-US" dirty="0"/>
           </a:p>
@@ -13010,7 +13010,7 @@
           <a:p>
             <a:fld id="{B3CFE2CC-454D-4466-AC55-B86DA0A87BAE}" type="datetimeFigureOut">
               <a:rPr lang="en-US" smtClean="0"/>
-              <a:t>8/15/2020</a:t>
+              <a:t>10/3/2021</a:t>
             </a:fld>
             <a:endParaRPr lang="en-US" dirty="0"/>
           </a:p>
@@ -13274,7 +13274,7 @@
           <a:p>
             <a:fld id="{B647B1BF-4039-460D-A637-65428CBD720E}" type="datetimeFigureOut">
               <a:rPr lang="en-US" smtClean="0"/>
-              <a:t>8/15/2020</a:t>
+              <a:t>10/3/2021</a:t>
             </a:fld>
             <a:endParaRPr lang="en-US" dirty="0"/>
           </a:p>
@@ -13598,7 +13598,7 @@
           <a:p>
             <a:fld id="{AAA39ACE-9343-4EBE-B5CA-AEA240A1DC53}" type="datetimeFigureOut">
               <a:rPr lang="en-US" smtClean="0"/>
-              <a:t>8/15/2020</a:t>
+              <a:t>10/3/2021</a:t>
             </a:fld>
             <a:endParaRPr lang="en-US" dirty="0"/>
           </a:p>
@@ -13987,7 +13987,7 @@
           <a:p>
             <a:fld id="{C9A00F7B-89C5-4DF7-A309-6263220147D4}" type="datetimeFigureOut">
               <a:rPr lang="en-US" smtClean="0"/>
-              <a:t>8/15/2020</a:t>
+              <a:t>10/3/2021</a:t>
             </a:fld>
             <a:endParaRPr lang="en-US" dirty="0"/>
           </a:p>
@@ -14363,7 +14363,7 @@
           <a:p>
             <a:fld id="{449C95DE-FD64-4606-AE61-EC1136867CC6}" type="datetimeFigureOut">
               <a:rPr lang="en-US" smtClean="0"/>
-              <a:t>8/15/2020</a:t>
+              <a:t>10/3/2021</a:t>
             </a:fld>
             <a:endParaRPr lang="en-US" dirty="0"/>
           </a:p>
@@ -14869,7 +14869,7 @@
           <a:p>
             <a:fld id="{5DEB0BBD-30FE-4CF1-900A-0C45149F8AF8}" type="datetimeFigureOut">
               <a:rPr lang="en-US" smtClean="0"/>
-              <a:t>8/15/2020</a:t>
+              <a:t>10/3/2021</a:t>
             </a:fld>
             <a:endParaRPr lang="en-US" dirty="0"/>
           </a:p>
@@ -15126,7 +15126,7 @@
           <a:p>
             <a:fld id="{B91A5F7F-3E81-4C65-A4D1-CB62D5B9DB91}" type="datetimeFigureOut">
               <a:rPr lang="en-US" smtClean="0"/>
-              <a:t>8/15/2020</a:t>
+              <a:t>10/3/2021</a:t>
             </a:fld>
             <a:endParaRPr lang="en-US" dirty="0"/>
           </a:p>
@@ -15289,7 +15289,7 @@
           <a:p>
             <a:fld id="{377ECC86-1672-4627-AEFE-EC5485C73905}" type="datetimeFigureOut">
               <a:rPr lang="en-US" smtClean="0"/>
-              <a:t>8/15/2020</a:t>
+              <a:t>10/3/2021</a:t>
             </a:fld>
             <a:endParaRPr lang="en-US" dirty="0"/>
           </a:p>
@@ -15679,7 +15679,7 @@
           <a:p>
             <a:fld id="{3CDCB01F-D966-4C62-B900-0BE008A90C98}" type="datetimeFigureOut">
               <a:rPr lang="en-US" smtClean="0"/>
-              <a:t>8/15/2020</a:t>
+              <a:t>10/3/2021</a:t>
             </a:fld>
             <a:endParaRPr lang="en-US" dirty="0"/>
           </a:p>
@@ -16088,7 +16088,7 @@
           <a:p>
             <a:fld id="{5E73A0EA-7DC7-4964-BB97-B173EF3B859A}" type="datetimeFigureOut">
               <a:rPr lang="en-US" smtClean="0"/>
-              <a:t>8/15/2020</a:t>
+              <a:t>10/3/2021</a:t>
             </a:fld>
             <a:endParaRPr lang="en-US" dirty="0"/>
           </a:p>
@@ -16332,7 +16332,7 @@
           <a:p>
             <a:fld id="{30EF52CC-F3D9-41D4-BCE4-C208E61A3F31}" type="datetimeFigureOut">
               <a:rPr lang="en-US" smtClean="0"/>
-              <a:t>8/15/2020</a:t>
+              <a:t>10/3/2021</a:t>
             </a:fld>
             <a:endParaRPr lang="en-US" dirty="0"/>
           </a:p>
@@ -18122,6 +18122,14 @@
               <a:rPr lang="zh-CN" altLang="en-US" dirty="0"/>
               <a:t>函数在底层数组的空间被填满之后，是否会将数组的容量增加一倍？</a:t>
             </a:r>
+            <a:endParaRPr lang="en-US" altLang="zh-CN" dirty="0"/>
+          </a:p>
+          <a:p>
+            <a:pPr lvl="2"/>
+            <a:r>
+              <a:rPr lang="zh-CN" altLang="en-US"/>
+              <a:t>不会，新开一个数组</a:t>
+            </a:r>
             <a:endParaRPr lang="en-US" dirty="0"/>
           </a:p>
         </p:txBody>
